--- a/ppt 16-9/0630.主我心说爱你.pptx
+++ b/ppt 16-9/0630.主我心说爱你.pptx
@@ -5,7 +5,7 @@
     <p:sldMasterId id="2147483648" r:id="rId1"/>
   </p:sldMasterIdLst>
   <p:sldIdLst>
-    <p:sldId id="2425" r:id="rId2"/>
+    <p:sldId id="2426" r:id="rId2"/>
   </p:sldIdLst>
   <p:sldSz cx="12192000" cy="6858000"/>
   <p:notesSz cx="6858000" cy="9144000"/>
@@ -129,7 +129,7 @@
           <p:cNvPr id="2" name="标题 1">
             <a:extLst>
               <a:ext uri="{FF2B5EF4-FFF2-40B4-BE49-F238E27FC236}">
-                <a16:creationId xmlns:a16="http://schemas.microsoft.com/office/drawing/2014/main" id="{B9725F24-6044-3C6C-4737-EF313F7FC672}"/>
+                <a16:creationId xmlns:a16="http://schemas.microsoft.com/office/drawing/2014/main" id="{460D24BF-FFE9-CBC7-F3CC-36807DF2432B}"/>
               </a:ext>
             </a:extLst>
           </p:cNvPr>
@@ -166,7 +166,7 @@
           <p:cNvPr id="3" name="副标题 2">
             <a:extLst>
               <a:ext uri="{FF2B5EF4-FFF2-40B4-BE49-F238E27FC236}">
-                <a16:creationId xmlns:a16="http://schemas.microsoft.com/office/drawing/2014/main" id="{3183B16C-AC07-E165-7C86-9457CD469605}"/>
+                <a16:creationId xmlns:a16="http://schemas.microsoft.com/office/drawing/2014/main" id="{B11CAD74-4CB7-DF35-599F-ED312AA05553}"/>
               </a:ext>
             </a:extLst>
           </p:cNvPr>
@@ -236,7 +236,7 @@
           <p:cNvPr id="4" name="日期占位符 3">
             <a:extLst>
               <a:ext uri="{FF2B5EF4-FFF2-40B4-BE49-F238E27FC236}">
-                <a16:creationId xmlns:a16="http://schemas.microsoft.com/office/drawing/2014/main" id="{C56B07EB-706B-0BEF-5BEB-CDAFAA7915A2}"/>
+                <a16:creationId xmlns:a16="http://schemas.microsoft.com/office/drawing/2014/main" id="{F0F44945-7984-D54F-62AD-98EF653A1154}"/>
               </a:ext>
             </a:extLst>
           </p:cNvPr>
@@ -252,7 +252,7 @@
           <a:bodyPr/>
           <a:lstStyle/>
           <a:p>
-            <a:fld id="{5413BB54-8AD0-4768-9589-B0A65AC339E7}" type="datetimeFigureOut">
+            <a:fld id="{F5C231F1-5CB2-42A7-9BE0-8A677F157450}" type="datetimeFigureOut">
               <a:rPr lang="zh-CN" altLang="en-US" smtClean="0"/>
               <a:t>2024/3/10</a:t>
             </a:fld>
@@ -265,7 +265,7 @@
           <p:cNvPr id="5" name="页脚占位符 4">
             <a:extLst>
               <a:ext uri="{FF2B5EF4-FFF2-40B4-BE49-F238E27FC236}">
-                <a16:creationId xmlns:a16="http://schemas.microsoft.com/office/drawing/2014/main" id="{651DF5C4-4B47-D3A0-FFA2-88250F3F8CCA}"/>
+                <a16:creationId xmlns:a16="http://schemas.microsoft.com/office/drawing/2014/main" id="{3598204D-393E-75F4-4AA7-752FE5FB893E}"/>
               </a:ext>
             </a:extLst>
           </p:cNvPr>
@@ -290,7 +290,7 @@
           <p:cNvPr id="6" name="灯片编号占位符 5">
             <a:extLst>
               <a:ext uri="{FF2B5EF4-FFF2-40B4-BE49-F238E27FC236}">
-                <a16:creationId xmlns:a16="http://schemas.microsoft.com/office/drawing/2014/main" id="{3DF9D6E6-9D7F-6995-5BC7-9EE3B517C2D1}"/>
+                <a16:creationId xmlns:a16="http://schemas.microsoft.com/office/drawing/2014/main" id="{C7ACE976-0CFB-1755-E478-132766B35901}"/>
               </a:ext>
             </a:extLst>
           </p:cNvPr>
@@ -306,7 +306,7 @@
           <a:bodyPr/>
           <a:lstStyle/>
           <a:p>
-            <a:fld id="{D09F9072-1DA2-478A-A715-45DC826CC533}" type="slidenum">
+            <a:fld id="{28B1891A-B0EA-4D94-ACC9-BF9673752494}" type="slidenum">
               <a:rPr lang="zh-CN" altLang="en-US" smtClean="0"/>
               <a:t>‹#›</a:t>
             </a:fld>
@@ -317,7 +317,7 @@
     </p:spTree>
     <p:extLst>
       <p:ext uri="{BB962C8B-B14F-4D97-AF65-F5344CB8AC3E}">
-        <p14:creationId xmlns:p14="http://schemas.microsoft.com/office/powerpoint/2010/main" val="2195099467"/>
+        <p14:creationId xmlns:p14="http://schemas.microsoft.com/office/powerpoint/2010/main" val="2986128793"/>
       </p:ext>
     </p:extLst>
   </p:cSld>
@@ -349,7 +349,7 @@
           <p:cNvPr id="2" name="标题 1">
             <a:extLst>
               <a:ext uri="{FF2B5EF4-FFF2-40B4-BE49-F238E27FC236}">
-                <a16:creationId xmlns:a16="http://schemas.microsoft.com/office/drawing/2014/main" id="{E645340F-AF01-E19D-49D4-D97F92521B17}"/>
+                <a16:creationId xmlns:a16="http://schemas.microsoft.com/office/drawing/2014/main" id="{29A98759-A72B-99D0-6688-391BB484B101}"/>
               </a:ext>
             </a:extLst>
           </p:cNvPr>
@@ -377,7 +377,7 @@
           <p:cNvPr id="3" name="竖排文字占位符 2">
             <a:extLst>
               <a:ext uri="{FF2B5EF4-FFF2-40B4-BE49-F238E27FC236}">
-                <a16:creationId xmlns:a16="http://schemas.microsoft.com/office/drawing/2014/main" id="{8723D7FD-1870-8FF2-CAD7-1A10AC418BE8}"/>
+                <a16:creationId xmlns:a16="http://schemas.microsoft.com/office/drawing/2014/main" id="{134CB500-0EF4-6419-C7E4-AD00CC1AC348}"/>
               </a:ext>
             </a:extLst>
           </p:cNvPr>
@@ -434,7 +434,7 @@
           <p:cNvPr id="4" name="日期占位符 3">
             <a:extLst>
               <a:ext uri="{FF2B5EF4-FFF2-40B4-BE49-F238E27FC236}">
-                <a16:creationId xmlns:a16="http://schemas.microsoft.com/office/drawing/2014/main" id="{2790D31A-3714-1746-63B3-FB0E36126480}"/>
+                <a16:creationId xmlns:a16="http://schemas.microsoft.com/office/drawing/2014/main" id="{075F84F4-1544-F721-6138-32C26298F093}"/>
               </a:ext>
             </a:extLst>
           </p:cNvPr>
@@ -450,7 +450,7 @@
           <a:bodyPr/>
           <a:lstStyle/>
           <a:p>
-            <a:fld id="{5413BB54-8AD0-4768-9589-B0A65AC339E7}" type="datetimeFigureOut">
+            <a:fld id="{F5C231F1-5CB2-42A7-9BE0-8A677F157450}" type="datetimeFigureOut">
               <a:rPr lang="zh-CN" altLang="en-US" smtClean="0"/>
               <a:t>2024/3/10</a:t>
             </a:fld>
@@ -463,7 +463,7 @@
           <p:cNvPr id="5" name="页脚占位符 4">
             <a:extLst>
               <a:ext uri="{FF2B5EF4-FFF2-40B4-BE49-F238E27FC236}">
-                <a16:creationId xmlns:a16="http://schemas.microsoft.com/office/drawing/2014/main" id="{71322D51-5F67-E7A3-FDCC-C50607F902F2}"/>
+                <a16:creationId xmlns:a16="http://schemas.microsoft.com/office/drawing/2014/main" id="{ED9B4E2E-B8F9-2276-F065-3143F7874B1B}"/>
               </a:ext>
             </a:extLst>
           </p:cNvPr>
@@ -488,7 +488,7 @@
           <p:cNvPr id="6" name="灯片编号占位符 5">
             <a:extLst>
               <a:ext uri="{FF2B5EF4-FFF2-40B4-BE49-F238E27FC236}">
-                <a16:creationId xmlns:a16="http://schemas.microsoft.com/office/drawing/2014/main" id="{4A133988-75B2-3031-C80F-91929CB16591}"/>
+                <a16:creationId xmlns:a16="http://schemas.microsoft.com/office/drawing/2014/main" id="{306FF1C3-49CB-49B0-6894-E02D54C6BCCE}"/>
               </a:ext>
             </a:extLst>
           </p:cNvPr>
@@ -504,7 +504,7 @@
           <a:bodyPr/>
           <a:lstStyle/>
           <a:p>
-            <a:fld id="{D09F9072-1DA2-478A-A715-45DC826CC533}" type="slidenum">
+            <a:fld id="{28B1891A-B0EA-4D94-ACC9-BF9673752494}" type="slidenum">
               <a:rPr lang="zh-CN" altLang="en-US" smtClean="0"/>
               <a:t>‹#›</a:t>
             </a:fld>
@@ -515,7 +515,7 @@
     </p:spTree>
     <p:extLst>
       <p:ext uri="{BB962C8B-B14F-4D97-AF65-F5344CB8AC3E}">
-        <p14:creationId xmlns:p14="http://schemas.microsoft.com/office/powerpoint/2010/main" val="3481494106"/>
+        <p14:creationId xmlns:p14="http://schemas.microsoft.com/office/powerpoint/2010/main" val="2771895449"/>
       </p:ext>
     </p:extLst>
   </p:cSld>
@@ -547,7 +547,7 @@
           <p:cNvPr id="2" name="竖排标题 1">
             <a:extLst>
               <a:ext uri="{FF2B5EF4-FFF2-40B4-BE49-F238E27FC236}">
-                <a16:creationId xmlns:a16="http://schemas.microsoft.com/office/drawing/2014/main" id="{81B3F6B9-C741-84FD-F837-63F8B2AB9C63}"/>
+                <a16:creationId xmlns:a16="http://schemas.microsoft.com/office/drawing/2014/main" id="{2973704E-2230-9FB1-BA62-7E2AECB49DF4}"/>
               </a:ext>
             </a:extLst>
           </p:cNvPr>
@@ -580,7 +580,7 @@
           <p:cNvPr id="3" name="竖排文字占位符 2">
             <a:extLst>
               <a:ext uri="{FF2B5EF4-FFF2-40B4-BE49-F238E27FC236}">
-                <a16:creationId xmlns:a16="http://schemas.microsoft.com/office/drawing/2014/main" id="{46B26F2C-D660-0D37-E983-74223744F8F4}"/>
+                <a16:creationId xmlns:a16="http://schemas.microsoft.com/office/drawing/2014/main" id="{288B3A4E-218B-8D59-5BE7-E2DF493A6346}"/>
               </a:ext>
             </a:extLst>
           </p:cNvPr>
@@ -642,7 +642,7 @@
           <p:cNvPr id="4" name="日期占位符 3">
             <a:extLst>
               <a:ext uri="{FF2B5EF4-FFF2-40B4-BE49-F238E27FC236}">
-                <a16:creationId xmlns:a16="http://schemas.microsoft.com/office/drawing/2014/main" id="{2AE84F43-3C77-E868-42D8-B366D10C648F}"/>
+                <a16:creationId xmlns:a16="http://schemas.microsoft.com/office/drawing/2014/main" id="{A6487B58-106C-7F29-BF07-45CCEED037BD}"/>
               </a:ext>
             </a:extLst>
           </p:cNvPr>
@@ -658,7 +658,7 @@
           <a:bodyPr/>
           <a:lstStyle/>
           <a:p>
-            <a:fld id="{5413BB54-8AD0-4768-9589-B0A65AC339E7}" type="datetimeFigureOut">
+            <a:fld id="{F5C231F1-5CB2-42A7-9BE0-8A677F157450}" type="datetimeFigureOut">
               <a:rPr lang="zh-CN" altLang="en-US" smtClean="0"/>
               <a:t>2024/3/10</a:t>
             </a:fld>
@@ -671,7 +671,7 @@
           <p:cNvPr id="5" name="页脚占位符 4">
             <a:extLst>
               <a:ext uri="{FF2B5EF4-FFF2-40B4-BE49-F238E27FC236}">
-                <a16:creationId xmlns:a16="http://schemas.microsoft.com/office/drawing/2014/main" id="{D57AB418-20BC-F441-DC0C-D5C51C52383A}"/>
+                <a16:creationId xmlns:a16="http://schemas.microsoft.com/office/drawing/2014/main" id="{3D0CFF7B-1407-EC62-7F3F-39DE74F44201}"/>
               </a:ext>
             </a:extLst>
           </p:cNvPr>
@@ -696,7 +696,7 @@
           <p:cNvPr id="6" name="灯片编号占位符 5">
             <a:extLst>
               <a:ext uri="{FF2B5EF4-FFF2-40B4-BE49-F238E27FC236}">
-                <a16:creationId xmlns:a16="http://schemas.microsoft.com/office/drawing/2014/main" id="{8769C8A3-99F0-3489-8F69-2D4F6CE20039}"/>
+                <a16:creationId xmlns:a16="http://schemas.microsoft.com/office/drawing/2014/main" id="{3A4314A2-5C6A-EBC8-0C3C-38CB7AF5E1B2}"/>
               </a:ext>
             </a:extLst>
           </p:cNvPr>
@@ -712,7 +712,7 @@
           <a:bodyPr/>
           <a:lstStyle/>
           <a:p>
-            <a:fld id="{D09F9072-1DA2-478A-A715-45DC826CC533}" type="slidenum">
+            <a:fld id="{28B1891A-B0EA-4D94-ACC9-BF9673752494}" type="slidenum">
               <a:rPr lang="zh-CN" altLang="en-US" smtClean="0"/>
               <a:t>‹#›</a:t>
             </a:fld>
@@ -723,7 +723,7 @@
     </p:spTree>
     <p:extLst>
       <p:ext uri="{BB962C8B-B14F-4D97-AF65-F5344CB8AC3E}">
-        <p14:creationId xmlns:p14="http://schemas.microsoft.com/office/powerpoint/2010/main" val="2899681870"/>
+        <p14:creationId xmlns:p14="http://schemas.microsoft.com/office/powerpoint/2010/main" val="176325043"/>
       </p:ext>
     </p:extLst>
   </p:cSld>
@@ -755,7 +755,7 @@
           <p:cNvPr id="2" name="标题 1">
             <a:extLst>
               <a:ext uri="{FF2B5EF4-FFF2-40B4-BE49-F238E27FC236}">
-                <a16:creationId xmlns:a16="http://schemas.microsoft.com/office/drawing/2014/main" id="{B357F71E-944A-3099-FE09-C4677E6ADB50}"/>
+                <a16:creationId xmlns:a16="http://schemas.microsoft.com/office/drawing/2014/main" id="{4F98C86C-58C6-C8AF-CF59-96FF05DEC9F5}"/>
               </a:ext>
             </a:extLst>
           </p:cNvPr>
@@ -783,7 +783,7 @@
           <p:cNvPr id="3" name="内容占位符 2">
             <a:extLst>
               <a:ext uri="{FF2B5EF4-FFF2-40B4-BE49-F238E27FC236}">
-                <a16:creationId xmlns:a16="http://schemas.microsoft.com/office/drawing/2014/main" id="{6BCF3505-1DFF-6AB5-725C-FC1BDAC1A78C}"/>
+                <a16:creationId xmlns:a16="http://schemas.microsoft.com/office/drawing/2014/main" id="{574104DB-43D3-1F24-9A74-596671B7910F}"/>
               </a:ext>
             </a:extLst>
           </p:cNvPr>
@@ -840,7 +840,7 @@
           <p:cNvPr id="4" name="日期占位符 3">
             <a:extLst>
               <a:ext uri="{FF2B5EF4-FFF2-40B4-BE49-F238E27FC236}">
-                <a16:creationId xmlns:a16="http://schemas.microsoft.com/office/drawing/2014/main" id="{0072CBB3-8658-0306-B90D-F325A7066D3A}"/>
+                <a16:creationId xmlns:a16="http://schemas.microsoft.com/office/drawing/2014/main" id="{89E00BF6-F832-F3A4-21FD-9F888D6B952C}"/>
               </a:ext>
             </a:extLst>
           </p:cNvPr>
@@ -856,7 +856,7 @@
           <a:bodyPr/>
           <a:lstStyle/>
           <a:p>
-            <a:fld id="{5413BB54-8AD0-4768-9589-B0A65AC339E7}" type="datetimeFigureOut">
+            <a:fld id="{F5C231F1-5CB2-42A7-9BE0-8A677F157450}" type="datetimeFigureOut">
               <a:rPr lang="zh-CN" altLang="en-US" smtClean="0"/>
               <a:t>2024/3/10</a:t>
             </a:fld>
@@ -869,7 +869,7 @@
           <p:cNvPr id="5" name="页脚占位符 4">
             <a:extLst>
               <a:ext uri="{FF2B5EF4-FFF2-40B4-BE49-F238E27FC236}">
-                <a16:creationId xmlns:a16="http://schemas.microsoft.com/office/drawing/2014/main" id="{F6E44B06-EE24-B3A6-B541-E4FAFD63ED77}"/>
+                <a16:creationId xmlns:a16="http://schemas.microsoft.com/office/drawing/2014/main" id="{B492F8BD-96C0-E571-EEED-CB9BDF5BB862}"/>
               </a:ext>
             </a:extLst>
           </p:cNvPr>
@@ -894,7 +894,7 @@
           <p:cNvPr id="6" name="灯片编号占位符 5">
             <a:extLst>
               <a:ext uri="{FF2B5EF4-FFF2-40B4-BE49-F238E27FC236}">
-                <a16:creationId xmlns:a16="http://schemas.microsoft.com/office/drawing/2014/main" id="{1841CC43-64FD-D111-F171-3B1B99F5DD26}"/>
+                <a16:creationId xmlns:a16="http://schemas.microsoft.com/office/drawing/2014/main" id="{0EFFF9B6-75B0-292A-8A18-E4A3B83A3E7D}"/>
               </a:ext>
             </a:extLst>
           </p:cNvPr>
@@ -910,7 +910,7 @@
           <a:bodyPr/>
           <a:lstStyle/>
           <a:p>
-            <a:fld id="{D09F9072-1DA2-478A-A715-45DC826CC533}" type="slidenum">
+            <a:fld id="{28B1891A-B0EA-4D94-ACC9-BF9673752494}" type="slidenum">
               <a:rPr lang="zh-CN" altLang="en-US" smtClean="0"/>
               <a:t>‹#›</a:t>
             </a:fld>
@@ -921,7 +921,7 @@
     </p:spTree>
     <p:extLst>
       <p:ext uri="{BB962C8B-B14F-4D97-AF65-F5344CB8AC3E}">
-        <p14:creationId xmlns:p14="http://schemas.microsoft.com/office/powerpoint/2010/main" val="3235309343"/>
+        <p14:creationId xmlns:p14="http://schemas.microsoft.com/office/powerpoint/2010/main" val="3854142863"/>
       </p:ext>
     </p:extLst>
   </p:cSld>
@@ -953,7 +953,7 @@
           <p:cNvPr id="2" name="标题 1">
             <a:extLst>
               <a:ext uri="{FF2B5EF4-FFF2-40B4-BE49-F238E27FC236}">
-                <a16:creationId xmlns:a16="http://schemas.microsoft.com/office/drawing/2014/main" id="{B04E3B9B-A934-38B7-FC20-E74FF66AA6AE}"/>
+                <a16:creationId xmlns:a16="http://schemas.microsoft.com/office/drawing/2014/main" id="{33724C14-6CF6-F04C-B677-90CD137AB572}"/>
               </a:ext>
             </a:extLst>
           </p:cNvPr>
@@ -990,7 +990,7 @@
           <p:cNvPr id="3" name="文本占位符 2">
             <a:extLst>
               <a:ext uri="{FF2B5EF4-FFF2-40B4-BE49-F238E27FC236}">
-                <a16:creationId xmlns:a16="http://schemas.microsoft.com/office/drawing/2014/main" id="{8F7E097B-3FA4-47F5-A411-397CD8053860}"/>
+                <a16:creationId xmlns:a16="http://schemas.microsoft.com/office/drawing/2014/main" id="{85D9FCD9-7A25-C669-EA35-AB4DE80A2D64}"/>
               </a:ext>
             </a:extLst>
           </p:cNvPr>
@@ -1115,7 +1115,7 @@
           <p:cNvPr id="4" name="日期占位符 3">
             <a:extLst>
               <a:ext uri="{FF2B5EF4-FFF2-40B4-BE49-F238E27FC236}">
-                <a16:creationId xmlns:a16="http://schemas.microsoft.com/office/drawing/2014/main" id="{0F0ECF67-8F1C-283B-E2A7-2141AE18E607}"/>
+                <a16:creationId xmlns:a16="http://schemas.microsoft.com/office/drawing/2014/main" id="{11DEE512-3B75-4EAB-41F9-969276F6F56F}"/>
               </a:ext>
             </a:extLst>
           </p:cNvPr>
@@ -1131,7 +1131,7 @@
           <a:bodyPr/>
           <a:lstStyle/>
           <a:p>
-            <a:fld id="{5413BB54-8AD0-4768-9589-B0A65AC339E7}" type="datetimeFigureOut">
+            <a:fld id="{F5C231F1-5CB2-42A7-9BE0-8A677F157450}" type="datetimeFigureOut">
               <a:rPr lang="zh-CN" altLang="en-US" smtClean="0"/>
               <a:t>2024/3/10</a:t>
             </a:fld>
@@ -1144,7 +1144,7 @@
           <p:cNvPr id="5" name="页脚占位符 4">
             <a:extLst>
               <a:ext uri="{FF2B5EF4-FFF2-40B4-BE49-F238E27FC236}">
-                <a16:creationId xmlns:a16="http://schemas.microsoft.com/office/drawing/2014/main" id="{DE86CBA5-F524-6A91-A1C1-B8FE5D95C270}"/>
+                <a16:creationId xmlns:a16="http://schemas.microsoft.com/office/drawing/2014/main" id="{9241FA9A-42BC-ADE9-B98F-27971C89A502}"/>
               </a:ext>
             </a:extLst>
           </p:cNvPr>
@@ -1169,7 +1169,7 @@
           <p:cNvPr id="6" name="灯片编号占位符 5">
             <a:extLst>
               <a:ext uri="{FF2B5EF4-FFF2-40B4-BE49-F238E27FC236}">
-                <a16:creationId xmlns:a16="http://schemas.microsoft.com/office/drawing/2014/main" id="{16D27736-3270-B0AC-58C9-758D666EC6E2}"/>
+                <a16:creationId xmlns:a16="http://schemas.microsoft.com/office/drawing/2014/main" id="{0A8DA74A-5EF1-EFFD-448B-BF2FB74232B3}"/>
               </a:ext>
             </a:extLst>
           </p:cNvPr>
@@ -1185,7 +1185,7 @@
           <a:bodyPr/>
           <a:lstStyle/>
           <a:p>
-            <a:fld id="{D09F9072-1DA2-478A-A715-45DC826CC533}" type="slidenum">
+            <a:fld id="{28B1891A-B0EA-4D94-ACC9-BF9673752494}" type="slidenum">
               <a:rPr lang="zh-CN" altLang="en-US" smtClean="0"/>
               <a:t>‹#›</a:t>
             </a:fld>
@@ -1196,7 +1196,7 @@
     </p:spTree>
     <p:extLst>
       <p:ext uri="{BB962C8B-B14F-4D97-AF65-F5344CB8AC3E}">
-        <p14:creationId xmlns:p14="http://schemas.microsoft.com/office/powerpoint/2010/main" val="1708509018"/>
+        <p14:creationId xmlns:p14="http://schemas.microsoft.com/office/powerpoint/2010/main" val="130638823"/>
       </p:ext>
     </p:extLst>
   </p:cSld>
@@ -1228,7 +1228,7 @@
           <p:cNvPr id="2" name="标题 1">
             <a:extLst>
               <a:ext uri="{FF2B5EF4-FFF2-40B4-BE49-F238E27FC236}">
-                <a16:creationId xmlns:a16="http://schemas.microsoft.com/office/drawing/2014/main" id="{302681ED-B59A-2173-73E5-04DA9AAEB8DD}"/>
+                <a16:creationId xmlns:a16="http://schemas.microsoft.com/office/drawing/2014/main" id="{A783AB63-2071-0084-B304-69D2AEC9293E}"/>
               </a:ext>
             </a:extLst>
           </p:cNvPr>
@@ -1256,7 +1256,7 @@
           <p:cNvPr id="3" name="内容占位符 2">
             <a:extLst>
               <a:ext uri="{FF2B5EF4-FFF2-40B4-BE49-F238E27FC236}">
-                <a16:creationId xmlns:a16="http://schemas.microsoft.com/office/drawing/2014/main" id="{E93E2DBA-F5C2-4735-266D-92C7218D9247}"/>
+                <a16:creationId xmlns:a16="http://schemas.microsoft.com/office/drawing/2014/main" id="{423A36EF-A5FF-799F-1FB7-E8EED56F9BFD}"/>
               </a:ext>
             </a:extLst>
           </p:cNvPr>
@@ -1318,7 +1318,7 @@
           <p:cNvPr id="4" name="内容占位符 3">
             <a:extLst>
               <a:ext uri="{FF2B5EF4-FFF2-40B4-BE49-F238E27FC236}">
-                <a16:creationId xmlns:a16="http://schemas.microsoft.com/office/drawing/2014/main" id="{6C38ED52-D382-77EB-458E-E1EE457FFA72}"/>
+                <a16:creationId xmlns:a16="http://schemas.microsoft.com/office/drawing/2014/main" id="{3C0D66CE-828A-3EBD-C8A5-89697ED61329}"/>
               </a:ext>
             </a:extLst>
           </p:cNvPr>
@@ -1380,7 +1380,7 @@
           <p:cNvPr id="5" name="日期占位符 4">
             <a:extLst>
               <a:ext uri="{FF2B5EF4-FFF2-40B4-BE49-F238E27FC236}">
-                <a16:creationId xmlns:a16="http://schemas.microsoft.com/office/drawing/2014/main" id="{3800A3C9-82CB-C79D-6043-01E62B4CB4A0}"/>
+                <a16:creationId xmlns:a16="http://schemas.microsoft.com/office/drawing/2014/main" id="{E32DF6EF-22C5-D33D-3F00-2C2A21BC705C}"/>
               </a:ext>
             </a:extLst>
           </p:cNvPr>
@@ -1396,7 +1396,7 @@
           <a:bodyPr/>
           <a:lstStyle/>
           <a:p>
-            <a:fld id="{5413BB54-8AD0-4768-9589-B0A65AC339E7}" type="datetimeFigureOut">
+            <a:fld id="{F5C231F1-5CB2-42A7-9BE0-8A677F157450}" type="datetimeFigureOut">
               <a:rPr lang="zh-CN" altLang="en-US" smtClean="0"/>
               <a:t>2024/3/10</a:t>
             </a:fld>
@@ -1409,7 +1409,7 @@
           <p:cNvPr id="6" name="页脚占位符 5">
             <a:extLst>
               <a:ext uri="{FF2B5EF4-FFF2-40B4-BE49-F238E27FC236}">
-                <a16:creationId xmlns:a16="http://schemas.microsoft.com/office/drawing/2014/main" id="{777D31E1-23F2-7DF5-8791-BACB8F69A304}"/>
+                <a16:creationId xmlns:a16="http://schemas.microsoft.com/office/drawing/2014/main" id="{D4D7C2D3-59EF-8E0D-3507-494C322A1B74}"/>
               </a:ext>
             </a:extLst>
           </p:cNvPr>
@@ -1434,7 +1434,7 @@
           <p:cNvPr id="7" name="灯片编号占位符 6">
             <a:extLst>
               <a:ext uri="{FF2B5EF4-FFF2-40B4-BE49-F238E27FC236}">
-                <a16:creationId xmlns:a16="http://schemas.microsoft.com/office/drawing/2014/main" id="{56290A37-3C7E-ADCF-D001-65503A4DA3F7}"/>
+                <a16:creationId xmlns:a16="http://schemas.microsoft.com/office/drawing/2014/main" id="{E4731FEB-1E63-AF70-F281-695813A38A9D}"/>
               </a:ext>
             </a:extLst>
           </p:cNvPr>
@@ -1450,7 +1450,7 @@
           <a:bodyPr/>
           <a:lstStyle/>
           <a:p>
-            <a:fld id="{D09F9072-1DA2-478A-A715-45DC826CC533}" type="slidenum">
+            <a:fld id="{28B1891A-B0EA-4D94-ACC9-BF9673752494}" type="slidenum">
               <a:rPr lang="zh-CN" altLang="en-US" smtClean="0"/>
               <a:t>‹#›</a:t>
             </a:fld>
@@ -1461,7 +1461,7 @@
     </p:spTree>
     <p:extLst>
       <p:ext uri="{BB962C8B-B14F-4D97-AF65-F5344CB8AC3E}">
-        <p14:creationId xmlns:p14="http://schemas.microsoft.com/office/powerpoint/2010/main" val="1691272497"/>
+        <p14:creationId xmlns:p14="http://schemas.microsoft.com/office/powerpoint/2010/main" val="2685314423"/>
       </p:ext>
     </p:extLst>
   </p:cSld>
@@ -1493,7 +1493,7 @@
           <p:cNvPr id="2" name="标题 1">
             <a:extLst>
               <a:ext uri="{FF2B5EF4-FFF2-40B4-BE49-F238E27FC236}">
-                <a16:creationId xmlns:a16="http://schemas.microsoft.com/office/drawing/2014/main" id="{5159B0BA-E557-710F-7E4D-00976DB92BBE}"/>
+                <a16:creationId xmlns:a16="http://schemas.microsoft.com/office/drawing/2014/main" id="{E41D90A0-8BE4-8D56-C346-00F64EC7CE27}"/>
               </a:ext>
             </a:extLst>
           </p:cNvPr>
@@ -1526,7 +1526,7 @@
           <p:cNvPr id="3" name="文本占位符 2">
             <a:extLst>
               <a:ext uri="{FF2B5EF4-FFF2-40B4-BE49-F238E27FC236}">
-                <a16:creationId xmlns:a16="http://schemas.microsoft.com/office/drawing/2014/main" id="{3EEC3AD1-914F-5E4F-D1B0-EAF994BBED80}"/>
+                <a16:creationId xmlns:a16="http://schemas.microsoft.com/office/drawing/2014/main" id="{B32F0F7F-6FC7-CA53-27E7-2383EF2C2D73}"/>
               </a:ext>
             </a:extLst>
           </p:cNvPr>
@@ -1597,7 +1597,7 @@
           <p:cNvPr id="4" name="内容占位符 3">
             <a:extLst>
               <a:ext uri="{FF2B5EF4-FFF2-40B4-BE49-F238E27FC236}">
-                <a16:creationId xmlns:a16="http://schemas.microsoft.com/office/drawing/2014/main" id="{65429907-58BB-DDF8-A7DC-CB716158D446}"/>
+                <a16:creationId xmlns:a16="http://schemas.microsoft.com/office/drawing/2014/main" id="{4CE5EA2A-89BC-2A8E-4AB9-A794E0A1E4DE}"/>
               </a:ext>
             </a:extLst>
           </p:cNvPr>
@@ -1659,7 +1659,7 @@
           <p:cNvPr id="5" name="文本占位符 4">
             <a:extLst>
               <a:ext uri="{FF2B5EF4-FFF2-40B4-BE49-F238E27FC236}">
-                <a16:creationId xmlns:a16="http://schemas.microsoft.com/office/drawing/2014/main" id="{261F656C-4565-0FC7-2806-54634A479D9B}"/>
+                <a16:creationId xmlns:a16="http://schemas.microsoft.com/office/drawing/2014/main" id="{CD1E09A1-8B49-A016-0129-0534521C5521}"/>
               </a:ext>
             </a:extLst>
           </p:cNvPr>
@@ -1730,7 +1730,7 @@
           <p:cNvPr id="6" name="内容占位符 5">
             <a:extLst>
               <a:ext uri="{FF2B5EF4-FFF2-40B4-BE49-F238E27FC236}">
-                <a16:creationId xmlns:a16="http://schemas.microsoft.com/office/drawing/2014/main" id="{4AA421D0-CFF7-D611-4B8C-CE646A6FA26A}"/>
+                <a16:creationId xmlns:a16="http://schemas.microsoft.com/office/drawing/2014/main" id="{F971E9AE-839F-1CD0-91FC-DF223006DA79}"/>
               </a:ext>
             </a:extLst>
           </p:cNvPr>
@@ -1792,7 +1792,7 @@
           <p:cNvPr id="7" name="日期占位符 6">
             <a:extLst>
               <a:ext uri="{FF2B5EF4-FFF2-40B4-BE49-F238E27FC236}">
-                <a16:creationId xmlns:a16="http://schemas.microsoft.com/office/drawing/2014/main" id="{FEFA9AFD-1DB4-BBBB-ADE5-20A9BFDA3BB6}"/>
+                <a16:creationId xmlns:a16="http://schemas.microsoft.com/office/drawing/2014/main" id="{76A68EC8-6538-8886-8CC1-E985B77BA9ED}"/>
               </a:ext>
             </a:extLst>
           </p:cNvPr>
@@ -1808,7 +1808,7 @@
           <a:bodyPr/>
           <a:lstStyle/>
           <a:p>
-            <a:fld id="{5413BB54-8AD0-4768-9589-B0A65AC339E7}" type="datetimeFigureOut">
+            <a:fld id="{F5C231F1-5CB2-42A7-9BE0-8A677F157450}" type="datetimeFigureOut">
               <a:rPr lang="zh-CN" altLang="en-US" smtClean="0"/>
               <a:t>2024/3/10</a:t>
             </a:fld>
@@ -1821,7 +1821,7 @@
           <p:cNvPr id="8" name="页脚占位符 7">
             <a:extLst>
               <a:ext uri="{FF2B5EF4-FFF2-40B4-BE49-F238E27FC236}">
-                <a16:creationId xmlns:a16="http://schemas.microsoft.com/office/drawing/2014/main" id="{BF4F6045-327C-F204-5845-88EE9FEABF2D}"/>
+                <a16:creationId xmlns:a16="http://schemas.microsoft.com/office/drawing/2014/main" id="{15DCE349-6679-B9EE-172F-14CCE5A7F16B}"/>
               </a:ext>
             </a:extLst>
           </p:cNvPr>
@@ -1846,7 +1846,7 @@
           <p:cNvPr id="9" name="灯片编号占位符 8">
             <a:extLst>
               <a:ext uri="{FF2B5EF4-FFF2-40B4-BE49-F238E27FC236}">
-                <a16:creationId xmlns:a16="http://schemas.microsoft.com/office/drawing/2014/main" id="{38056526-BE9E-6C36-186D-4E2AB96F28EB}"/>
+                <a16:creationId xmlns:a16="http://schemas.microsoft.com/office/drawing/2014/main" id="{CCBA1AE6-0E02-FDA3-409A-7039B9EF1472}"/>
               </a:ext>
             </a:extLst>
           </p:cNvPr>
@@ -1862,7 +1862,7 @@
           <a:bodyPr/>
           <a:lstStyle/>
           <a:p>
-            <a:fld id="{D09F9072-1DA2-478A-A715-45DC826CC533}" type="slidenum">
+            <a:fld id="{28B1891A-B0EA-4D94-ACC9-BF9673752494}" type="slidenum">
               <a:rPr lang="zh-CN" altLang="en-US" smtClean="0"/>
               <a:t>‹#›</a:t>
             </a:fld>
@@ -1873,7 +1873,7 @@
     </p:spTree>
     <p:extLst>
       <p:ext uri="{BB962C8B-B14F-4D97-AF65-F5344CB8AC3E}">
-        <p14:creationId xmlns:p14="http://schemas.microsoft.com/office/powerpoint/2010/main" val="514335351"/>
+        <p14:creationId xmlns:p14="http://schemas.microsoft.com/office/powerpoint/2010/main" val="1449837251"/>
       </p:ext>
     </p:extLst>
   </p:cSld>
@@ -1905,7 +1905,7 @@
           <p:cNvPr id="2" name="标题 1">
             <a:extLst>
               <a:ext uri="{FF2B5EF4-FFF2-40B4-BE49-F238E27FC236}">
-                <a16:creationId xmlns:a16="http://schemas.microsoft.com/office/drawing/2014/main" id="{8AC1DBBF-8477-BC14-190A-C1D3838CBEE5}"/>
+                <a16:creationId xmlns:a16="http://schemas.microsoft.com/office/drawing/2014/main" id="{387D22FA-9C32-9A79-5E66-AF42D81E8803}"/>
               </a:ext>
             </a:extLst>
           </p:cNvPr>
@@ -1933,7 +1933,7 @@
           <p:cNvPr id="3" name="日期占位符 2">
             <a:extLst>
               <a:ext uri="{FF2B5EF4-FFF2-40B4-BE49-F238E27FC236}">
-                <a16:creationId xmlns:a16="http://schemas.microsoft.com/office/drawing/2014/main" id="{53732F14-829D-3CB0-E483-9E17CF3E81BB}"/>
+                <a16:creationId xmlns:a16="http://schemas.microsoft.com/office/drawing/2014/main" id="{ED5391B4-65C1-1842-5B05-177DB58CA778}"/>
               </a:ext>
             </a:extLst>
           </p:cNvPr>
@@ -1949,7 +1949,7 @@
           <a:bodyPr/>
           <a:lstStyle/>
           <a:p>
-            <a:fld id="{5413BB54-8AD0-4768-9589-B0A65AC339E7}" type="datetimeFigureOut">
+            <a:fld id="{F5C231F1-5CB2-42A7-9BE0-8A677F157450}" type="datetimeFigureOut">
               <a:rPr lang="zh-CN" altLang="en-US" smtClean="0"/>
               <a:t>2024/3/10</a:t>
             </a:fld>
@@ -1962,7 +1962,7 @@
           <p:cNvPr id="4" name="页脚占位符 3">
             <a:extLst>
               <a:ext uri="{FF2B5EF4-FFF2-40B4-BE49-F238E27FC236}">
-                <a16:creationId xmlns:a16="http://schemas.microsoft.com/office/drawing/2014/main" id="{3FFA6AFA-8371-A51B-8049-5C0A7258330E}"/>
+                <a16:creationId xmlns:a16="http://schemas.microsoft.com/office/drawing/2014/main" id="{20CDA5FD-F311-CA58-CDA5-A3E7DE597648}"/>
               </a:ext>
             </a:extLst>
           </p:cNvPr>
@@ -1987,7 +1987,7 @@
           <p:cNvPr id="5" name="灯片编号占位符 4">
             <a:extLst>
               <a:ext uri="{FF2B5EF4-FFF2-40B4-BE49-F238E27FC236}">
-                <a16:creationId xmlns:a16="http://schemas.microsoft.com/office/drawing/2014/main" id="{E7D790FE-E309-7DE1-DF4E-792897F183D5}"/>
+                <a16:creationId xmlns:a16="http://schemas.microsoft.com/office/drawing/2014/main" id="{A4B535D0-EFB3-271E-4CAC-B326C47C052E}"/>
               </a:ext>
             </a:extLst>
           </p:cNvPr>
@@ -2003,7 +2003,7 @@
           <a:bodyPr/>
           <a:lstStyle/>
           <a:p>
-            <a:fld id="{D09F9072-1DA2-478A-A715-45DC826CC533}" type="slidenum">
+            <a:fld id="{28B1891A-B0EA-4D94-ACC9-BF9673752494}" type="slidenum">
               <a:rPr lang="zh-CN" altLang="en-US" smtClean="0"/>
               <a:t>‹#›</a:t>
             </a:fld>
@@ -2014,7 +2014,7 @@
     </p:spTree>
     <p:extLst>
       <p:ext uri="{BB962C8B-B14F-4D97-AF65-F5344CB8AC3E}">
-        <p14:creationId xmlns:p14="http://schemas.microsoft.com/office/powerpoint/2010/main" val="3218992181"/>
+        <p14:creationId xmlns:p14="http://schemas.microsoft.com/office/powerpoint/2010/main" val="2514745462"/>
       </p:ext>
     </p:extLst>
   </p:cSld>
@@ -2046,7 +2046,7 @@
           <p:cNvPr id="2" name="日期占位符 1">
             <a:extLst>
               <a:ext uri="{FF2B5EF4-FFF2-40B4-BE49-F238E27FC236}">
-                <a16:creationId xmlns:a16="http://schemas.microsoft.com/office/drawing/2014/main" id="{4D0337BF-6B78-B4E1-6817-7C14307162F3}"/>
+                <a16:creationId xmlns:a16="http://schemas.microsoft.com/office/drawing/2014/main" id="{3DEF23FF-5BE7-741B-439E-B250BDA0E0F8}"/>
               </a:ext>
             </a:extLst>
           </p:cNvPr>
@@ -2062,7 +2062,7 @@
           <a:bodyPr/>
           <a:lstStyle/>
           <a:p>
-            <a:fld id="{5413BB54-8AD0-4768-9589-B0A65AC339E7}" type="datetimeFigureOut">
+            <a:fld id="{F5C231F1-5CB2-42A7-9BE0-8A677F157450}" type="datetimeFigureOut">
               <a:rPr lang="zh-CN" altLang="en-US" smtClean="0"/>
               <a:t>2024/3/10</a:t>
             </a:fld>
@@ -2075,7 +2075,7 @@
           <p:cNvPr id="3" name="页脚占位符 2">
             <a:extLst>
               <a:ext uri="{FF2B5EF4-FFF2-40B4-BE49-F238E27FC236}">
-                <a16:creationId xmlns:a16="http://schemas.microsoft.com/office/drawing/2014/main" id="{F3545B32-C5BB-F141-0A34-2E01D6DDC96E}"/>
+                <a16:creationId xmlns:a16="http://schemas.microsoft.com/office/drawing/2014/main" id="{C24B419C-FD9E-F6BF-0A8C-2183760CB190}"/>
               </a:ext>
             </a:extLst>
           </p:cNvPr>
@@ -2100,7 +2100,7 @@
           <p:cNvPr id="4" name="灯片编号占位符 3">
             <a:extLst>
               <a:ext uri="{FF2B5EF4-FFF2-40B4-BE49-F238E27FC236}">
-                <a16:creationId xmlns:a16="http://schemas.microsoft.com/office/drawing/2014/main" id="{6FE82881-5991-DCD3-4B1E-C1E38F28BE9D}"/>
+                <a16:creationId xmlns:a16="http://schemas.microsoft.com/office/drawing/2014/main" id="{C71C563F-3F46-0429-CC7C-AA7A8F35CB53}"/>
               </a:ext>
             </a:extLst>
           </p:cNvPr>
@@ -2116,7 +2116,7 @@
           <a:bodyPr/>
           <a:lstStyle/>
           <a:p>
-            <a:fld id="{D09F9072-1DA2-478A-A715-45DC826CC533}" type="slidenum">
+            <a:fld id="{28B1891A-B0EA-4D94-ACC9-BF9673752494}" type="slidenum">
               <a:rPr lang="zh-CN" altLang="en-US" smtClean="0"/>
               <a:t>‹#›</a:t>
             </a:fld>
@@ -2127,7 +2127,7 @@
     </p:spTree>
     <p:extLst>
       <p:ext uri="{BB962C8B-B14F-4D97-AF65-F5344CB8AC3E}">
-        <p14:creationId xmlns:p14="http://schemas.microsoft.com/office/powerpoint/2010/main" val="3644529277"/>
+        <p14:creationId xmlns:p14="http://schemas.microsoft.com/office/powerpoint/2010/main" val="509733594"/>
       </p:ext>
     </p:extLst>
   </p:cSld>
@@ -2159,7 +2159,7 @@
           <p:cNvPr id="2" name="标题 1">
             <a:extLst>
               <a:ext uri="{FF2B5EF4-FFF2-40B4-BE49-F238E27FC236}">
-                <a16:creationId xmlns:a16="http://schemas.microsoft.com/office/drawing/2014/main" id="{27BB931F-A0ED-BD50-1D4E-6B6DDE5C83A6}"/>
+                <a16:creationId xmlns:a16="http://schemas.microsoft.com/office/drawing/2014/main" id="{ACC21723-203B-496C-D037-AC15D534CD1C}"/>
               </a:ext>
             </a:extLst>
           </p:cNvPr>
@@ -2196,7 +2196,7 @@
           <p:cNvPr id="3" name="内容占位符 2">
             <a:extLst>
               <a:ext uri="{FF2B5EF4-FFF2-40B4-BE49-F238E27FC236}">
-                <a16:creationId xmlns:a16="http://schemas.microsoft.com/office/drawing/2014/main" id="{471231DD-3C04-3318-DC70-928C82C83877}"/>
+                <a16:creationId xmlns:a16="http://schemas.microsoft.com/office/drawing/2014/main" id="{A37263D4-A5F6-8C0B-C957-BD87DA48C607}"/>
               </a:ext>
             </a:extLst>
           </p:cNvPr>
@@ -2286,7 +2286,7 @@
           <p:cNvPr id="4" name="文本占位符 3">
             <a:extLst>
               <a:ext uri="{FF2B5EF4-FFF2-40B4-BE49-F238E27FC236}">
-                <a16:creationId xmlns:a16="http://schemas.microsoft.com/office/drawing/2014/main" id="{D0F70272-962C-7BE4-6B0B-C61EB0ECBE90}"/>
+                <a16:creationId xmlns:a16="http://schemas.microsoft.com/office/drawing/2014/main" id="{F3BF2BFE-04E0-9BB7-7554-93832E365565}"/>
               </a:ext>
             </a:extLst>
           </p:cNvPr>
@@ -2357,7 +2357,7 @@
           <p:cNvPr id="5" name="日期占位符 4">
             <a:extLst>
               <a:ext uri="{FF2B5EF4-FFF2-40B4-BE49-F238E27FC236}">
-                <a16:creationId xmlns:a16="http://schemas.microsoft.com/office/drawing/2014/main" id="{F04A9745-BBCB-1C66-72F0-907C0C6BFF5A}"/>
+                <a16:creationId xmlns:a16="http://schemas.microsoft.com/office/drawing/2014/main" id="{C908A572-3BD1-2C53-3DB4-C0A8CBE99A0E}"/>
               </a:ext>
             </a:extLst>
           </p:cNvPr>
@@ -2373,7 +2373,7 @@
           <a:bodyPr/>
           <a:lstStyle/>
           <a:p>
-            <a:fld id="{5413BB54-8AD0-4768-9589-B0A65AC339E7}" type="datetimeFigureOut">
+            <a:fld id="{F5C231F1-5CB2-42A7-9BE0-8A677F157450}" type="datetimeFigureOut">
               <a:rPr lang="zh-CN" altLang="en-US" smtClean="0"/>
               <a:t>2024/3/10</a:t>
             </a:fld>
@@ -2386,7 +2386,7 @@
           <p:cNvPr id="6" name="页脚占位符 5">
             <a:extLst>
               <a:ext uri="{FF2B5EF4-FFF2-40B4-BE49-F238E27FC236}">
-                <a16:creationId xmlns:a16="http://schemas.microsoft.com/office/drawing/2014/main" id="{249D7FB0-F420-D5FC-9950-0F3493D48720}"/>
+                <a16:creationId xmlns:a16="http://schemas.microsoft.com/office/drawing/2014/main" id="{266A90A2-798B-83BD-DC11-8C36E34FAA68}"/>
               </a:ext>
             </a:extLst>
           </p:cNvPr>
@@ -2411,7 +2411,7 @@
           <p:cNvPr id="7" name="灯片编号占位符 6">
             <a:extLst>
               <a:ext uri="{FF2B5EF4-FFF2-40B4-BE49-F238E27FC236}">
-                <a16:creationId xmlns:a16="http://schemas.microsoft.com/office/drawing/2014/main" id="{52EA3939-37D0-B3E4-178F-923561675423}"/>
+                <a16:creationId xmlns:a16="http://schemas.microsoft.com/office/drawing/2014/main" id="{03DFBB90-017D-DD59-DD6C-EF94623F3431}"/>
               </a:ext>
             </a:extLst>
           </p:cNvPr>
@@ -2427,7 +2427,7 @@
           <a:bodyPr/>
           <a:lstStyle/>
           <a:p>
-            <a:fld id="{D09F9072-1DA2-478A-A715-45DC826CC533}" type="slidenum">
+            <a:fld id="{28B1891A-B0EA-4D94-ACC9-BF9673752494}" type="slidenum">
               <a:rPr lang="zh-CN" altLang="en-US" smtClean="0"/>
               <a:t>‹#›</a:t>
             </a:fld>
@@ -2438,7 +2438,7 @@
     </p:spTree>
     <p:extLst>
       <p:ext uri="{BB962C8B-B14F-4D97-AF65-F5344CB8AC3E}">
-        <p14:creationId xmlns:p14="http://schemas.microsoft.com/office/powerpoint/2010/main" val="572356577"/>
+        <p14:creationId xmlns:p14="http://schemas.microsoft.com/office/powerpoint/2010/main" val="1599430537"/>
       </p:ext>
     </p:extLst>
   </p:cSld>
@@ -2470,7 +2470,7 @@
           <p:cNvPr id="2" name="标题 1">
             <a:extLst>
               <a:ext uri="{FF2B5EF4-FFF2-40B4-BE49-F238E27FC236}">
-                <a16:creationId xmlns:a16="http://schemas.microsoft.com/office/drawing/2014/main" id="{6299EC13-C1E7-D50F-A1EE-3AD63EC2FEB9}"/>
+                <a16:creationId xmlns:a16="http://schemas.microsoft.com/office/drawing/2014/main" id="{767C054D-C9F4-95FB-0204-8C73BC0A9C82}"/>
               </a:ext>
             </a:extLst>
           </p:cNvPr>
@@ -2507,7 +2507,7 @@
           <p:cNvPr id="3" name="图片占位符 2">
             <a:extLst>
               <a:ext uri="{FF2B5EF4-FFF2-40B4-BE49-F238E27FC236}">
-                <a16:creationId xmlns:a16="http://schemas.microsoft.com/office/drawing/2014/main" id="{243FE4F8-20AA-FF0F-1BCF-54DDA3BD4E95}"/>
+                <a16:creationId xmlns:a16="http://schemas.microsoft.com/office/drawing/2014/main" id="{79D02E24-1833-DDC2-43DD-BFDFC6C751ED}"/>
               </a:ext>
             </a:extLst>
           </p:cNvPr>
@@ -2574,7 +2574,7 @@
           <p:cNvPr id="4" name="文本占位符 3">
             <a:extLst>
               <a:ext uri="{FF2B5EF4-FFF2-40B4-BE49-F238E27FC236}">
-                <a16:creationId xmlns:a16="http://schemas.microsoft.com/office/drawing/2014/main" id="{64C27F52-D6F5-239D-56E2-A5DC8A1BCDDC}"/>
+                <a16:creationId xmlns:a16="http://schemas.microsoft.com/office/drawing/2014/main" id="{565E663E-9FCA-4BA4-7FA4-EF42A9D9EBAE}"/>
               </a:ext>
             </a:extLst>
           </p:cNvPr>
@@ -2645,7 +2645,7 @@
           <p:cNvPr id="5" name="日期占位符 4">
             <a:extLst>
               <a:ext uri="{FF2B5EF4-FFF2-40B4-BE49-F238E27FC236}">
-                <a16:creationId xmlns:a16="http://schemas.microsoft.com/office/drawing/2014/main" id="{0D8B7CD9-CE7D-3051-A871-45E07BD4A353}"/>
+                <a16:creationId xmlns:a16="http://schemas.microsoft.com/office/drawing/2014/main" id="{38F0881C-FA4A-6336-B1E2-BCB3EFE5B21D}"/>
               </a:ext>
             </a:extLst>
           </p:cNvPr>
@@ -2661,7 +2661,7 @@
           <a:bodyPr/>
           <a:lstStyle/>
           <a:p>
-            <a:fld id="{5413BB54-8AD0-4768-9589-B0A65AC339E7}" type="datetimeFigureOut">
+            <a:fld id="{F5C231F1-5CB2-42A7-9BE0-8A677F157450}" type="datetimeFigureOut">
               <a:rPr lang="zh-CN" altLang="en-US" smtClean="0"/>
               <a:t>2024/3/10</a:t>
             </a:fld>
@@ -2674,7 +2674,7 @@
           <p:cNvPr id="6" name="页脚占位符 5">
             <a:extLst>
               <a:ext uri="{FF2B5EF4-FFF2-40B4-BE49-F238E27FC236}">
-                <a16:creationId xmlns:a16="http://schemas.microsoft.com/office/drawing/2014/main" id="{2E11A730-E46B-E8C5-AC60-F6CA69632A5C}"/>
+                <a16:creationId xmlns:a16="http://schemas.microsoft.com/office/drawing/2014/main" id="{AACA8B62-9AF4-436F-03E8-4EF7A1AB23F4}"/>
               </a:ext>
             </a:extLst>
           </p:cNvPr>
@@ -2699,7 +2699,7 @@
           <p:cNvPr id="7" name="灯片编号占位符 6">
             <a:extLst>
               <a:ext uri="{FF2B5EF4-FFF2-40B4-BE49-F238E27FC236}">
-                <a16:creationId xmlns:a16="http://schemas.microsoft.com/office/drawing/2014/main" id="{1D81D051-9575-EB21-DA00-164924D5D489}"/>
+                <a16:creationId xmlns:a16="http://schemas.microsoft.com/office/drawing/2014/main" id="{92E83706-07A1-27E8-E839-53016C53B7B6}"/>
               </a:ext>
             </a:extLst>
           </p:cNvPr>
@@ -2715,7 +2715,7 @@
           <a:bodyPr/>
           <a:lstStyle/>
           <a:p>
-            <a:fld id="{D09F9072-1DA2-478A-A715-45DC826CC533}" type="slidenum">
+            <a:fld id="{28B1891A-B0EA-4D94-ACC9-BF9673752494}" type="slidenum">
               <a:rPr lang="zh-CN" altLang="en-US" smtClean="0"/>
               <a:t>‹#›</a:t>
             </a:fld>
@@ -2726,7 +2726,7 @@
     </p:spTree>
     <p:extLst>
       <p:ext uri="{BB962C8B-B14F-4D97-AF65-F5344CB8AC3E}">
-        <p14:creationId xmlns:p14="http://schemas.microsoft.com/office/powerpoint/2010/main" val="3081662036"/>
+        <p14:creationId xmlns:p14="http://schemas.microsoft.com/office/powerpoint/2010/main" val="736011507"/>
       </p:ext>
     </p:extLst>
   </p:cSld>
@@ -2763,7 +2763,7 @@
           <p:cNvPr id="2" name="标题占位符 1">
             <a:extLst>
               <a:ext uri="{FF2B5EF4-FFF2-40B4-BE49-F238E27FC236}">
-                <a16:creationId xmlns:a16="http://schemas.microsoft.com/office/drawing/2014/main" id="{7792535F-F6D7-5EE3-8D62-6847BB5DB615}"/>
+                <a16:creationId xmlns:a16="http://schemas.microsoft.com/office/drawing/2014/main" id="{EBAE8282-9F71-925B-92C1-D5387C92AC16}"/>
               </a:ext>
             </a:extLst>
           </p:cNvPr>
@@ -2801,7 +2801,7 @@
           <p:cNvPr id="3" name="文本占位符 2">
             <a:extLst>
               <a:ext uri="{FF2B5EF4-FFF2-40B4-BE49-F238E27FC236}">
-                <a16:creationId xmlns:a16="http://schemas.microsoft.com/office/drawing/2014/main" id="{DB146CBA-C160-EA69-4225-45A52F6F8125}"/>
+                <a16:creationId xmlns:a16="http://schemas.microsoft.com/office/drawing/2014/main" id="{94326FDE-4AC9-964E-4E59-027AA2D29893}"/>
               </a:ext>
             </a:extLst>
           </p:cNvPr>
@@ -2868,7 +2868,7 @@
           <p:cNvPr id="4" name="日期占位符 3">
             <a:extLst>
               <a:ext uri="{FF2B5EF4-FFF2-40B4-BE49-F238E27FC236}">
-                <a16:creationId xmlns:a16="http://schemas.microsoft.com/office/drawing/2014/main" id="{E37DD0B2-116C-B0AE-6633-25DA8E2D19DB}"/>
+                <a16:creationId xmlns:a16="http://schemas.microsoft.com/office/drawing/2014/main" id="{7682A38F-87D2-DB2C-4A50-6ABAC414DA01}"/>
               </a:ext>
             </a:extLst>
           </p:cNvPr>
@@ -2902,7 +2902,7 @@
             </a:lvl1pPr>
           </a:lstStyle>
           <a:p>
-            <a:fld id="{5413BB54-8AD0-4768-9589-B0A65AC339E7}" type="datetimeFigureOut">
+            <a:fld id="{F5C231F1-5CB2-42A7-9BE0-8A677F157450}" type="datetimeFigureOut">
               <a:rPr lang="zh-CN" altLang="en-US" smtClean="0"/>
               <a:t>2024/3/10</a:t>
             </a:fld>
@@ -2915,7 +2915,7 @@
           <p:cNvPr id="5" name="页脚占位符 4">
             <a:extLst>
               <a:ext uri="{FF2B5EF4-FFF2-40B4-BE49-F238E27FC236}">
-                <a16:creationId xmlns:a16="http://schemas.microsoft.com/office/drawing/2014/main" id="{DF29F7DA-F53B-05E4-07F2-F445EDA46D45}"/>
+                <a16:creationId xmlns:a16="http://schemas.microsoft.com/office/drawing/2014/main" id="{1DDE4A83-9F97-FC40-0D93-DF84216D8451}"/>
               </a:ext>
             </a:extLst>
           </p:cNvPr>
@@ -2958,7 +2958,7 @@
           <p:cNvPr id="6" name="灯片编号占位符 5">
             <a:extLst>
               <a:ext uri="{FF2B5EF4-FFF2-40B4-BE49-F238E27FC236}">
-                <a16:creationId xmlns:a16="http://schemas.microsoft.com/office/drawing/2014/main" id="{BC953B52-713C-BDDF-AD90-987483FCC22F}"/>
+                <a16:creationId xmlns:a16="http://schemas.microsoft.com/office/drawing/2014/main" id="{66C7E316-AC76-EDEE-371A-71FCBE2BEA12}"/>
               </a:ext>
             </a:extLst>
           </p:cNvPr>
@@ -2992,7 +2992,7 @@
             </a:lvl1pPr>
           </a:lstStyle>
           <a:p>
-            <a:fld id="{D09F9072-1DA2-478A-A715-45DC826CC533}" type="slidenum">
+            <a:fld id="{28B1891A-B0EA-4D94-ACC9-BF9673752494}" type="slidenum">
               <a:rPr lang="zh-CN" altLang="en-US" smtClean="0"/>
               <a:t>‹#›</a:t>
             </a:fld>
@@ -3003,7 +3003,7 @@
     </p:spTree>
     <p:extLst>
       <p:ext uri="{BB962C8B-B14F-4D97-AF65-F5344CB8AC3E}">
-        <p14:creationId xmlns:p14="http://schemas.microsoft.com/office/powerpoint/2010/main" val="2271106269"/>
+        <p14:creationId xmlns:p14="http://schemas.microsoft.com/office/powerpoint/2010/main" val="2254017259"/>
       </p:ext>
     </p:extLst>
   </p:cSld>
@@ -3323,7 +3323,7 @@
       </p:grpSpPr>
       <p:pic>
         <p:nvPicPr>
-          <p:cNvPr id="645122" name="Picture 2" descr="629"/>
+          <p:cNvPr id="646146" name="Picture 2" descr="630"/>
           <p:cNvPicPr>
             <a:picLocks noChangeAspect="1" noChangeArrowheads="1"/>
           </p:cNvPicPr>
@@ -3344,8 +3344,8 @@
         </p:blipFill>
         <p:spPr bwMode="auto">
           <a:xfrm>
-            <a:off x="1524000" y="0"/>
-            <a:ext cx="9144000" cy="6858000"/>
+            <a:off x="1525588" y="1588"/>
+            <a:ext cx="9142412" cy="5803900"/>
           </a:xfrm>
           <a:prstGeom prst="rect">
             <a:avLst/>
